--- a/IPC2024_base2010/comparacion/output_1_2024.pptx
+++ b/IPC2024_base2010/comparacion/output_1_2024.pptx
@@ -3130,7 +3130,7 @@
         <p:spPr>
           <a:xfrm>
             <a:off x="182880" y="182880"/>
-            <a:ext cx="4818490" cy="3291840"/>
+            <a:ext cx="4601155" cy="3291840"/>
           </a:xfrm>
           <a:prstGeom prst="rect">
             <a:avLst/>
@@ -3237,7 +3237,7 @@
         <p:spPr>
           <a:xfrm>
             <a:off x="3931920" y="3383280"/>
-            <a:ext cx="5438692" cy="3291840"/>
+            <a:ext cx="5422790" cy="3291840"/>
           </a:xfrm>
           <a:prstGeom prst="rect">
             <a:avLst/>
@@ -3296,7 +3296,7 @@
         <p:spPr>
           <a:xfrm>
             <a:off x="182880" y="182880"/>
-            <a:ext cx="5115339" cy="3291840"/>
+            <a:ext cx="5078233" cy="3291840"/>
           </a:xfrm>
           <a:prstGeom prst="rect">
             <a:avLst/>
@@ -3379,7 +3379,7 @@
         <p:spPr>
           <a:xfrm>
             <a:off x="182880" y="182880"/>
-            <a:ext cx="5375082" cy="3291840"/>
+            <a:ext cx="5099437" cy="3291840"/>
           </a:xfrm>
           <a:prstGeom prst="rect">
             <a:avLst/>
@@ -3652,7 +3652,7 @@
         <p:spPr>
           <a:xfrm>
             <a:off x="3931920" y="3383280"/>
-            <a:ext cx="5576515" cy="3291840"/>
+            <a:ext cx="5438692" cy="3291840"/>
           </a:xfrm>
           <a:prstGeom prst="rect">
             <a:avLst/>
@@ -3818,7 +3818,7 @@
         <p:spPr>
           <a:xfrm>
             <a:off x="3931920" y="3383280"/>
-            <a:ext cx="5449294" cy="3291840"/>
+            <a:ext cx="5369781" cy="3291840"/>
           </a:xfrm>
           <a:prstGeom prst="rect">
             <a:avLst/>
